--- a/docs/第7回2次元配列・計算量.pptx
+++ b/docs/第7回2次元配列・計算量.pptx
@@ -251,7 +251,7 @@
           <a:p>
             <a:fld id="{BC217E9B-DFCD-4DFE-B7ED-A5F6001EB7CB}" type="datetimeFigureOut">
               <a:rPr kumimoji="1" lang="ja-JP" altLang="en-US" smtClean="0"/>
-              <a:t>2019/5/10</a:t>
+              <a:t>2019/5/27</a:t>
             </a:fld>
             <a:endParaRPr kumimoji="1" lang="ja-JP" altLang="en-US"/>
           </a:p>
@@ -453,7 +453,7 @@
           <a:p>
             <a:fld id="{BC217E9B-DFCD-4DFE-B7ED-A5F6001EB7CB}" type="datetimeFigureOut">
               <a:rPr kumimoji="1" lang="ja-JP" altLang="en-US" smtClean="0"/>
-              <a:t>2019/5/10</a:t>
+              <a:t>2019/5/27</a:t>
             </a:fld>
             <a:endParaRPr kumimoji="1" lang="ja-JP" altLang="en-US"/>
           </a:p>
@@ -665,7 +665,7 @@
           <a:p>
             <a:fld id="{BC217E9B-DFCD-4DFE-B7ED-A5F6001EB7CB}" type="datetimeFigureOut">
               <a:rPr kumimoji="1" lang="ja-JP" altLang="en-US" smtClean="0"/>
-              <a:t>2019/5/10</a:t>
+              <a:t>2019/5/27</a:t>
             </a:fld>
             <a:endParaRPr kumimoji="1" lang="ja-JP" altLang="en-US"/>
           </a:p>
@@ -867,7 +867,7 @@
           <a:p>
             <a:fld id="{BC217E9B-DFCD-4DFE-B7ED-A5F6001EB7CB}" type="datetimeFigureOut">
               <a:rPr kumimoji="1" lang="ja-JP" altLang="en-US" smtClean="0"/>
-              <a:t>2019/5/10</a:t>
+              <a:t>2019/5/27</a:t>
             </a:fld>
             <a:endParaRPr kumimoji="1" lang="ja-JP" altLang="en-US"/>
           </a:p>
@@ -1113,7 +1113,7 @@
           <a:p>
             <a:fld id="{BC217E9B-DFCD-4DFE-B7ED-A5F6001EB7CB}" type="datetimeFigureOut">
               <a:rPr kumimoji="1" lang="ja-JP" altLang="en-US" smtClean="0"/>
-              <a:t>2019/5/10</a:t>
+              <a:t>2019/5/27</a:t>
             </a:fld>
             <a:endParaRPr kumimoji="1" lang="ja-JP" altLang="en-US"/>
           </a:p>
@@ -1409,7 +1409,7 @@
           <a:p>
             <a:fld id="{BC217E9B-DFCD-4DFE-B7ED-A5F6001EB7CB}" type="datetimeFigureOut">
               <a:rPr kumimoji="1" lang="ja-JP" altLang="en-US" smtClean="0"/>
-              <a:t>2019/5/10</a:t>
+              <a:t>2019/5/27</a:t>
             </a:fld>
             <a:endParaRPr kumimoji="1" lang="ja-JP" altLang="en-US"/>
           </a:p>
@@ -1840,7 +1840,7 @@
           <a:p>
             <a:fld id="{BC217E9B-DFCD-4DFE-B7ED-A5F6001EB7CB}" type="datetimeFigureOut">
               <a:rPr kumimoji="1" lang="ja-JP" altLang="en-US" smtClean="0"/>
-              <a:t>2019/5/10</a:t>
+              <a:t>2019/5/27</a:t>
             </a:fld>
             <a:endParaRPr kumimoji="1" lang="ja-JP" altLang="en-US"/>
           </a:p>
@@ -1958,7 +1958,7 @@
           <a:p>
             <a:fld id="{BC217E9B-DFCD-4DFE-B7ED-A5F6001EB7CB}" type="datetimeFigureOut">
               <a:rPr kumimoji="1" lang="ja-JP" altLang="en-US" smtClean="0"/>
-              <a:t>2019/5/10</a:t>
+              <a:t>2019/5/27</a:t>
             </a:fld>
             <a:endParaRPr kumimoji="1" lang="ja-JP" altLang="en-US"/>
           </a:p>
@@ -2053,7 +2053,7 @@
           <a:p>
             <a:fld id="{BC217E9B-DFCD-4DFE-B7ED-A5F6001EB7CB}" type="datetimeFigureOut">
               <a:rPr kumimoji="1" lang="ja-JP" altLang="en-US" smtClean="0"/>
-              <a:t>2019/5/10</a:t>
+              <a:t>2019/5/27</a:t>
             </a:fld>
             <a:endParaRPr kumimoji="1" lang="ja-JP" altLang="en-US"/>
           </a:p>
@@ -2362,7 +2362,7 @@
           <a:p>
             <a:fld id="{BC217E9B-DFCD-4DFE-B7ED-A5F6001EB7CB}" type="datetimeFigureOut">
               <a:rPr kumimoji="1" lang="ja-JP" altLang="en-US" smtClean="0"/>
-              <a:t>2019/5/10</a:t>
+              <a:t>2019/5/27</a:t>
             </a:fld>
             <a:endParaRPr kumimoji="1" lang="ja-JP" altLang="en-US"/>
           </a:p>
@@ -2615,7 +2615,7 @@
           <a:p>
             <a:fld id="{BC217E9B-DFCD-4DFE-B7ED-A5F6001EB7CB}" type="datetimeFigureOut">
               <a:rPr kumimoji="1" lang="ja-JP" altLang="en-US" smtClean="0"/>
-              <a:t>2019/5/10</a:t>
+              <a:t>2019/5/27</a:t>
             </a:fld>
             <a:endParaRPr kumimoji="1" lang="ja-JP" altLang="en-US"/>
           </a:p>
@@ -2860,7 +2860,7 @@
           <a:p>
             <a:fld id="{BC217E9B-DFCD-4DFE-B7ED-A5F6001EB7CB}" type="datetimeFigureOut">
               <a:rPr kumimoji="1" lang="ja-JP" altLang="en-US" smtClean="0"/>
-              <a:t>2019/5/10</a:t>
+              <a:t>2019/5/27</a:t>
             </a:fld>
             <a:endParaRPr kumimoji="1" lang="ja-JP" altLang="en-US"/>
           </a:p>
@@ -3310,11 +3310,7 @@
             </a:r>
             <a:r>
               <a:rPr lang="ja-JP" altLang="en-US" sz="4000" dirty="0" smtClean="0"/>
-              <a:t>回</a:t>
-            </a:r>
-            <a:r>
-              <a:rPr lang="ja-JP" altLang="en-US" sz="4000" dirty="0" smtClean="0"/>
-              <a:t>授業</a:t>
+              <a:t>回授業</a:t>
             </a:r>
             <a:r>
               <a:rPr lang="en-US" altLang="ja-JP" sz="4000" dirty="0" smtClean="0"/>
@@ -3325,27 +3321,15 @@
             </a:br>
             <a:r>
               <a:rPr lang="en-US" altLang="ja-JP" sz="4000" dirty="0" smtClean="0"/>
-              <a:t>“</a:t>
-            </a:r>
-            <a:r>
-              <a:rPr lang="en-US" altLang="ja-JP" sz="4000" dirty="0" smtClean="0"/>
-              <a:t>2</a:t>
+              <a:t>“2</a:t>
             </a:r>
             <a:r>
               <a:rPr lang="ja-JP" altLang="en-US" sz="4000" dirty="0" smtClean="0"/>
-              <a:t>次元配列</a:t>
-            </a:r>
-            <a:r>
-              <a:rPr lang="ja-JP" altLang="en-US" sz="4000" dirty="0" smtClean="0"/>
-              <a:t>と計算量</a:t>
+              <a:t>次元配列と計算量</a:t>
             </a:r>
             <a:r>
               <a:rPr lang="en-US" altLang="ja-JP" sz="4000" dirty="0" smtClean="0"/>
               <a:t>”</a:t>
-            </a:r>
-            <a:r>
-              <a:rPr lang="en-US" altLang="ja-JP" sz="4000" dirty="0" smtClean="0"/>
-              <a:t/>
             </a:r>
             <a:br>
               <a:rPr lang="en-US" altLang="ja-JP" sz="4000" dirty="0" smtClean="0"/>
@@ -3356,11 +3340,7 @@
             </a:r>
             <a:r>
               <a:rPr lang="en-US" altLang="ja-JP" sz="4000" dirty="0" smtClean="0"/>
-              <a:t>Page </a:t>
-            </a:r>
-            <a:r>
-              <a:rPr lang="en-US" altLang="ja-JP" sz="4000" dirty="0" smtClean="0"/>
-              <a:t>43-48)</a:t>
+              <a:t>Page 43-48)</a:t>
             </a:r>
             <a:endParaRPr kumimoji="1" lang="ja-JP" altLang="en-US" sz="4000" dirty="0"/>
           </a:p>
@@ -3475,7 +3455,7 @@
         <p:spPr>
           <a:xfrm>
             <a:off x="1615858" y="1791222"/>
-            <a:ext cx="9619989" cy="3970318"/>
+            <a:ext cx="9619989" cy="4524315"/>
           </a:xfrm>
           <a:prstGeom prst="rect">
             <a:avLst/>
@@ -3490,11 +3470,7 @@
           <a:p>
             <a:r>
               <a:rPr kumimoji="1" lang="ja-JP" altLang="en-US" sz="3600" dirty="0" smtClean="0"/>
-              <a:t>・前回の復習</a:t>
-            </a:r>
-            <a:r>
-              <a:rPr kumimoji="1" lang="ja-JP" altLang="en-US" sz="3600" dirty="0" smtClean="0"/>
-              <a:t>（引数</a:t>
+              <a:t>・前回の復習（引数</a:t>
             </a:r>
             <a:r>
               <a:rPr lang="ja-JP" altLang="en-US" sz="3600" dirty="0" smtClean="0"/>
@@ -3508,6 +3484,25 @@
           </a:p>
           <a:p>
             <a:r>
+              <a:rPr lang="ja-JP" altLang="en-US" sz="3600" dirty="0" smtClean="0"/>
+              <a:t>・</a:t>
+            </a:r>
+            <a:r>
+              <a:rPr lang="en-US" altLang="ja-JP" sz="3600" dirty="0" smtClean="0"/>
+              <a:t>Training 1-4</a:t>
+            </a:r>
+            <a:r>
+              <a:rPr lang="ja-JP" altLang="en-US" sz="3600" dirty="0" smtClean="0"/>
+              <a:t>と</a:t>
+            </a:r>
+            <a:r>
+              <a:rPr lang="en-US" altLang="ja-JP" sz="3600" dirty="0" smtClean="0"/>
+              <a:t>1-5</a:t>
+            </a:r>
+            <a:endParaRPr kumimoji="1" lang="en-US" altLang="ja-JP" sz="3600" dirty="0" smtClean="0"/>
+          </a:p>
+          <a:p>
+            <a:r>
               <a:rPr kumimoji="1" lang="ja-JP" altLang="en-US" sz="3600" dirty="0" smtClean="0"/>
               <a:t>・</a:t>
             </a:r>
@@ -3517,7 +3512,11 @@
             </a:r>
             <a:r>
               <a:rPr kumimoji="1" lang="ja-JP" altLang="en-US" sz="3600" dirty="0" smtClean="0"/>
-              <a:t>次元配列</a:t>
+              <a:t>次元</a:t>
+            </a:r>
+            <a:r>
+              <a:rPr kumimoji="1" lang="ja-JP" altLang="en-US" sz="3600" dirty="0" smtClean="0"/>
+              <a:t>配列</a:t>
             </a:r>
             <a:endParaRPr kumimoji="1" lang="en-US" altLang="ja-JP" sz="3600" dirty="0" smtClean="0"/>
           </a:p>
@@ -3527,8 +3526,26 @@
               <a:t>・</a:t>
             </a:r>
             <a:r>
+              <a:rPr lang="en-US" altLang="ja-JP" sz="3600" dirty="0" smtClean="0"/>
+              <a:t>Training 1-6</a:t>
+            </a:r>
+            <a:endParaRPr kumimoji="1" lang="en-US" altLang="ja-JP" sz="3600" dirty="0" smtClean="0"/>
+          </a:p>
+          <a:p>
+            <a:r>
               <a:rPr lang="ja-JP" altLang="en-US" sz="3600" dirty="0" smtClean="0"/>
-              <a:t>計算</a:t>
+              <a:t>・ドリルの</a:t>
+            </a:r>
+            <a:r>
+              <a:rPr lang="ja-JP" altLang="en-US" sz="3600" dirty="0" smtClean="0"/>
+              <a:t>解答</a:t>
+            </a:r>
+            <a:endParaRPr kumimoji="1" lang="en-US" altLang="ja-JP" sz="3600" dirty="0" smtClean="0"/>
+          </a:p>
+          <a:p>
+            <a:r>
+              <a:rPr lang="ja-JP" altLang="en-US" sz="3600" dirty="0" smtClean="0"/>
+              <a:t>・計算</a:t>
             </a:r>
             <a:r>
               <a:rPr lang="ja-JP" altLang="en-US" sz="3600" dirty="0"/>
@@ -3545,12 +3562,6 @@
               <a:rPr kumimoji="1" lang="ja-JP" altLang="en-US" sz="3600" dirty="0" smtClean="0"/>
               <a:t>まとめ</a:t>
             </a:r>
-            <a:endParaRPr kumimoji="1" lang="en-US" altLang="ja-JP" sz="3600" dirty="0" smtClean="0"/>
-          </a:p>
-          <a:p>
-            <a:endParaRPr lang="en-US" altLang="ja-JP" sz="3600" dirty="0"/>
-          </a:p>
-          <a:p>
             <a:endParaRPr kumimoji="1" lang="en-US" altLang="ja-JP" sz="3600" dirty="0" smtClean="0"/>
           </a:p>
           <a:p>
@@ -3609,11 +3620,7 @@
             </a:r>
             <a:r>
               <a:rPr lang="ja-JP" altLang="en-US" dirty="0" smtClean="0"/>
-              <a:t>次元配列</a:t>
-            </a:r>
-            <a:r>
-              <a:rPr lang="ja-JP" altLang="en-US" dirty="0" smtClean="0"/>
-              <a:t>　</a:t>
+              <a:t>次元配列　</a:t>
             </a:r>
             <a:r>
               <a:rPr lang="en-US" altLang="ja-JP" dirty="0" smtClean="0"/>
@@ -3646,8 +3653,8 @@
         </p:nvSpPr>
         <p:spPr>
           <a:xfrm>
-            <a:off x="1426924" y="2092194"/>
-            <a:ext cx="8974899" cy="2246769"/>
+            <a:off x="1449005" y="1690688"/>
+            <a:ext cx="8974899" cy="2677656"/>
           </a:xfrm>
           <a:prstGeom prst="rect">
             <a:avLst/>
@@ -3681,7 +3688,18 @@
             </a:r>
             <a:r>
               <a:rPr lang="ja-JP" altLang="en-US" sz="2800" dirty="0" smtClean="0"/>
-              <a:t>次元配列は、添字二つで要素を特定する配列となる。</a:t>
+              <a:t>次元配列は、添字二つで要素を特定する配列となる</a:t>
+            </a:r>
+            <a:r>
+              <a:rPr lang="ja-JP" altLang="en-US" sz="2800" dirty="0" smtClean="0"/>
+              <a:t>。</a:t>
+            </a:r>
+            <a:endParaRPr lang="en-US" altLang="ja-JP" sz="2800" dirty="0" smtClean="0"/>
+          </a:p>
+          <a:p>
+            <a:r>
+              <a:rPr lang="ja-JP" altLang="en-US" sz="2800" dirty="0" smtClean="0"/>
+              <a:t>エクセルと考え方は同じ</a:t>
             </a:r>
             <a:endParaRPr lang="en-US" altLang="ja-JP" sz="2800" dirty="0" smtClean="0"/>
           </a:p>
@@ -4283,7 +4301,7 @@
         </p:nvSpPr>
         <p:spPr>
           <a:xfrm>
-            <a:off x="591978" y="4861270"/>
+            <a:off x="591978" y="4999545"/>
             <a:ext cx="492443" cy="461665"/>
           </a:xfrm>
           <a:prstGeom prst="rect">
@@ -4405,11 +4423,7 @@
           <a:p>
             <a:r>
               <a:rPr lang="ja-JP" altLang="en-US" sz="3600" dirty="0" smtClean="0"/>
-              <a:t>配列の初期化に</a:t>
-            </a:r>
-            <a:r>
-              <a:rPr lang="ja-JP" altLang="en-US" sz="3600" dirty="0" smtClean="0"/>
-              <a:t>ついて（</a:t>
+              <a:t>配列の初期化について（</a:t>
             </a:r>
             <a:r>
               <a:rPr lang="en-US" altLang="ja-JP" sz="3600" dirty="0" smtClean="0"/>
@@ -5246,7 +5260,7 @@
         </p:nvSpPr>
         <p:spPr>
           <a:xfrm>
-            <a:off x="5343954" y="3711390"/>
+            <a:off x="5707209" y="3670064"/>
             <a:ext cx="492443" cy="461665"/>
           </a:xfrm>
           <a:prstGeom prst="rect">
@@ -5284,8 +5298,8 @@
         </p:nvSpPr>
         <p:spPr>
           <a:xfrm>
-            <a:off x="5836397" y="2444232"/>
-            <a:ext cx="3903633" cy="369332"/>
+            <a:off x="4671476" y="2418728"/>
+            <a:ext cx="6795450" cy="584775"/>
           </a:xfrm>
           <a:prstGeom prst="rect">
             <a:avLst/>
@@ -5299,22 +5313,42 @@
           <a:lstStyle/>
           <a:p>
             <a:r>
-              <a:rPr kumimoji="1" lang="en-US" altLang="ja-JP" dirty="0" smtClean="0"/>
+              <a:rPr kumimoji="1" lang="en-US" altLang="ja-JP" sz="3200" dirty="0" smtClean="0">
+                <a:solidFill>
+                  <a:srgbClr val="FF0000"/>
+                </a:solidFill>
+              </a:rPr>
               <a:t>0</a:t>
             </a:r>
             <a:r>
-              <a:rPr kumimoji="1" lang="ja-JP" altLang="en-US" dirty="0" smtClean="0"/>
+              <a:rPr kumimoji="1" lang="ja-JP" altLang="en-US" sz="3200" dirty="0" smtClean="0">
+                <a:solidFill>
+                  <a:srgbClr val="FF0000"/>
+                </a:solidFill>
+              </a:rPr>
               <a:t>行目の要素を</a:t>
             </a:r>
             <a:r>
-              <a:rPr kumimoji="1" lang="en-US" altLang="ja-JP" dirty="0" smtClean="0"/>
+              <a:rPr kumimoji="1" lang="en-US" altLang="ja-JP" sz="3200" dirty="0" smtClean="0">
+                <a:solidFill>
+                  <a:srgbClr val="FF0000"/>
+                </a:solidFill>
+              </a:rPr>
               <a:t>0</a:t>
             </a:r>
             <a:r>
-              <a:rPr kumimoji="1" lang="ja-JP" altLang="en-US" dirty="0" smtClean="0"/>
+              <a:rPr kumimoji="1" lang="ja-JP" altLang="en-US" sz="3200" dirty="0" smtClean="0">
+                <a:solidFill>
+                  <a:srgbClr val="FF0000"/>
+                </a:solidFill>
+              </a:rPr>
               <a:t>で初期化していく。</a:t>
             </a:r>
-            <a:endParaRPr kumimoji="1" lang="ja-JP" altLang="en-US" dirty="0"/>
+            <a:endParaRPr kumimoji="1" lang="ja-JP" altLang="en-US" sz="3200" dirty="0">
+              <a:solidFill>
+                <a:srgbClr val="FF0000"/>
+              </a:solidFill>
+            </a:endParaRPr>
           </a:p>
         </p:txBody>
       </p:sp>
@@ -5372,11 +5406,7 @@
           <a:p>
             <a:r>
               <a:rPr lang="ja-JP" altLang="en-US" sz="3600" dirty="0" smtClean="0"/>
-              <a:t>配列の初期化に</a:t>
-            </a:r>
-            <a:r>
-              <a:rPr lang="ja-JP" altLang="en-US" sz="3600" dirty="0" smtClean="0"/>
-              <a:t>ついて（</a:t>
+              <a:t>配列の初期化について（</a:t>
             </a:r>
             <a:r>
               <a:rPr lang="en-US" altLang="ja-JP" sz="3600" dirty="0" smtClean="0"/>
@@ -6417,8 +6447,8 @@
         </p:nvSpPr>
         <p:spPr>
           <a:xfrm>
-            <a:off x="5950746" y="2452143"/>
-            <a:ext cx="4727576" cy="923330"/>
+            <a:off x="4460149" y="1702380"/>
+            <a:ext cx="7253909" cy="1384995"/>
           </a:xfrm>
           <a:prstGeom prst="rect">
             <a:avLst/>
@@ -6432,88 +6462,176 @@
           <a:lstStyle/>
           <a:p>
             <a:r>
-              <a:rPr kumimoji="1" lang="ja-JP" altLang="en-US" dirty="0" smtClean="0"/>
+              <a:rPr kumimoji="1" lang="ja-JP" altLang="en-US" sz="2800" dirty="0" smtClean="0">
+                <a:solidFill>
+                  <a:srgbClr val="FF0000"/>
+                </a:solidFill>
+              </a:rPr>
               <a:t>まず </a:t>
             </a:r>
             <a:r>
-              <a:rPr kumimoji="1" lang="en-US" altLang="ja-JP" dirty="0" smtClean="0"/>
+              <a:rPr kumimoji="1" lang="en-US" altLang="ja-JP" sz="2800" dirty="0" smtClean="0">
+                <a:solidFill>
+                  <a:srgbClr val="FF0000"/>
+                </a:solidFill>
+              </a:rPr>
               <a:t>0</a:t>
             </a:r>
             <a:r>
-              <a:rPr kumimoji="1" lang="ja-JP" altLang="en-US" dirty="0" smtClean="0"/>
+              <a:rPr kumimoji="1" lang="ja-JP" altLang="en-US" sz="2800" dirty="0" smtClean="0">
+                <a:solidFill>
+                  <a:srgbClr val="FF0000"/>
+                </a:solidFill>
+              </a:rPr>
               <a:t>行目の要素を</a:t>
             </a:r>
             <a:r>
-              <a:rPr kumimoji="1" lang="en-US" altLang="ja-JP" dirty="0" smtClean="0"/>
+              <a:rPr kumimoji="1" lang="en-US" altLang="ja-JP" sz="2800" dirty="0" smtClean="0">
+                <a:solidFill>
+                  <a:srgbClr val="FF0000"/>
+                </a:solidFill>
+              </a:rPr>
               <a:t>0</a:t>
             </a:r>
             <a:r>
-              <a:rPr kumimoji="1" lang="ja-JP" altLang="en-US" dirty="0" smtClean="0"/>
+              <a:rPr kumimoji="1" lang="ja-JP" altLang="en-US" sz="2800" dirty="0" smtClean="0">
+                <a:solidFill>
+                  <a:srgbClr val="FF0000"/>
+                </a:solidFill>
+              </a:rPr>
               <a:t>で初期化していく。</a:t>
             </a:r>
-            <a:endParaRPr kumimoji="1" lang="en-US" altLang="ja-JP" dirty="0" smtClean="0"/>
-          </a:p>
-          <a:p>
-            <a:r>
-              <a:rPr lang="ja-JP" altLang="en-US" dirty="0" smtClean="0"/>
+            <a:endParaRPr kumimoji="1" lang="en-US" altLang="ja-JP" sz="2800" dirty="0" smtClean="0">
+              <a:solidFill>
+                <a:srgbClr val="FF0000"/>
+              </a:solidFill>
+            </a:endParaRPr>
+          </a:p>
+          <a:p>
+            <a:r>
+              <a:rPr lang="ja-JP" altLang="en-US" sz="2800" dirty="0" smtClean="0">
+                <a:solidFill>
+                  <a:srgbClr val="FF0000"/>
+                </a:solidFill>
+              </a:rPr>
               <a:t>次に </a:t>
             </a:r>
             <a:r>
-              <a:rPr lang="en-US" altLang="ja-JP" dirty="0"/>
+              <a:rPr lang="en-US" altLang="ja-JP" sz="2800" dirty="0">
+                <a:solidFill>
+                  <a:srgbClr val="FF0000"/>
+                </a:solidFill>
+              </a:rPr>
               <a:t>1</a:t>
             </a:r>
             <a:r>
-              <a:rPr lang="ja-JP" altLang="en-US" dirty="0" smtClean="0"/>
+              <a:rPr lang="ja-JP" altLang="en-US" sz="2800" dirty="0" smtClean="0">
+                <a:solidFill>
+                  <a:srgbClr val="FF0000"/>
+                </a:solidFill>
+              </a:rPr>
               <a:t>行目</a:t>
             </a:r>
             <a:r>
-              <a:rPr lang="ja-JP" altLang="en-US" dirty="0"/>
+              <a:rPr lang="ja-JP" altLang="en-US" sz="2800" dirty="0">
+                <a:solidFill>
+                  <a:srgbClr val="FF0000"/>
+                </a:solidFill>
+              </a:rPr>
               <a:t>の要素を</a:t>
             </a:r>
             <a:r>
-              <a:rPr lang="en-US" altLang="ja-JP" dirty="0"/>
+              <a:rPr lang="en-US" altLang="ja-JP" sz="2800" dirty="0">
+                <a:solidFill>
+                  <a:srgbClr val="FF0000"/>
+                </a:solidFill>
+              </a:rPr>
               <a:t>0</a:t>
             </a:r>
             <a:r>
-              <a:rPr lang="ja-JP" altLang="en-US" dirty="0"/>
+              <a:rPr lang="ja-JP" altLang="en-US" sz="2800" dirty="0">
+                <a:solidFill>
+                  <a:srgbClr val="FF0000"/>
+                </a:solidFill>
+              </a:rPr>
               <a:t>で初期化していく</a:t>
             </a:r>
             <a:r>
-              <a:rPr lang="ja-JP" altLang="en-US" dirty="0" smtClean="0"/>
+              <a:rPr lang="ja-JP" altLang="en-US" sz="2800" dirty="0" smtClean="0">
+                <a:solidFill>
+                  <a:srgbClr val="FF0000"/>
+                </a:solidFill>
+              </a:rPr>
               <a:t>。</a:t>
             </a:r>
-            <a:endParaRPr lang="en-US" altLang="ja-JP" dirty="0" smtClean="0"/>
-          </a:p>
-          <a:p>
-            <a:r>
-              <a:rPr lang="ja-JP" altLang="en-US" dirty="0" smtClean="0"/>
+            <a:endParaRPr lang="en-US" altLang="ja-JP" sz="2800" dirty="0" smtClean="0">
+              <a:solidFill>
+                <a:srgbClr val="FF0000"/>
+              </a:solidFill>
+            </a:endParaRPr>
+          </a:p>
+          <a:p>
+            <a:r>
+              <a:rPr lang="ja-JP" altLang="en-US" sz="2800" dirty="0" smtClean="0">
+                <a:solidFill>
+                  <a:srgbClr val="FF0000"/>
+                </a:solidFill>
+              </a:rPr>
               <a:t>最後に </a:t>
             </a:r>
             <a:r>
-              <a:rPr lang="en-US" altLang="ja-JP" dirty="0" smtClean="0"/>
+              <a:rPr lang="en-US" altLang="ja-JP" sz="2800" dirty="0" smtClean="0">
+                <a:solidFill>
+                  <a:srgbClr val="FF0000"/>
+                </a:solidFill>
+              </a:rPr>
               <a:t>2</a:t>
             </a:r>
             <a:r>
-              <a:rPr lang="ja-JP" altLang="en-US" dirty="0" smtClean="0"/>
+              <a:rPr lang="ja-JP" altLang="en-US" sz="2800" dirty="0" smtClean="0">
+                <a:solidFill>
+                  <a:srgbClr val="FF0000"/>
+                </a:solidFill>
+              </a:rPr>
               <a:t>行目</a:t>
             </a:r>
             <a:r>
-              <a:rPr lang="ja-JP" altLang="en-US" dirty="0"/>
+              <a:rPr lang="ja-JP" altLang="en-US" sz="2800" dirty="0">
+                <a:solidFill>
+                  <a:srgbClr val="FF0000"/>
+                </a:solidFill>
+              </a:rPr>
               <a:t>の要素を</a:t>
             </a:r>
             <a:r>
-              <a:rPr lang="en-US" altLang="ja-JP" dirty="0"/>
+              <a:rPr lang="en-US" altLang="ja-JP" sz="2800" dirty="0">
+                <a:solidFill>
+                  <a:srgbClr val="FF0000"/>
+                </a:solidFill>
+              </a:rPr>
               <a:t>0</a:t>
             </a:r>
             <a:r>
-              <a:rPr lang="ja-JP" altLang="en-US" dirty="0"/>
+              <a:rPr lang="ja-JP" altLang="en-US" sz="2800" dirty="0">
+                <a:solidFill>
+                  <a:srgbClr val="FF0000"/>
+                </a:solidFill>
+              </a:rPr>
               <a:t>で初期化していく。</a:t>
             </a:r>
             <a:r>
-              <a:rPr lang="ja-JP" altLang="en-US" dirty="0" smtClean="0"/>
+              <a:rPr lang="ja-JP" altLang="en-US" sz="2800" dirty="0" smtClean="0">
+                <a:solidFill>
+                  <a:srgbClr val="FF0000"/>
+                </a:solidFill>
+              </a:rPr>
               <a:t> </a:t>
             </a:r>
-            <a:endParaRPr kumimoji="1" lang="ja-JP" altLang="en-US" dirty="0"/>
+            <a:endParaRPr kumimoji="1" lang="ja-JP" altLang="en-US" sz="2800" dirty="0">
+              <a:solidFill>
+                <a:srgbClr val="FF0000"/>
+              </a:solidFill>
+            </a:endParaRPr>
           </a:p>
         </p:txBody>
       </p:sp>
@@ -8033,8 +8151,8 @@
         </p:nvSpPr>
         <p:spPr>
           <a:xfrm>
-            <a:off x="530629" y="2061557"/>
-            <a:ext cx="5986549" cy="3693319"/>
+            <a:off x="242531" y="1690688"/>
+            <a:ext cx="6346159" cy="4158967"/>
           </a:xfrm>
           <a:prstGeom prst="rect">
             <a:avLst/>
@@ -8048,204 +8166,204 @@
           <a:lstStyle/>
           <a:p>
             <a:r>
-              <a:rPr lang="ja-JP" altLang="en-US" dirty="0"/>
+              <a:rPr lang="ja-JP" altLang="en-US" sz="2000" dirty="0"/>
               <a:t>○プログラム名：</a:t>
             </a:r>
             <a:r>
-              <a:rPr lang="en-US" altLang="ja-JP" dirty="0"/>
+              <a:rPr lang="en-US" altLang="ja-JP" sz="2000" dirty="0"/>
               <a:t>9</a:t>
             </a:r>
             <a:r>
-              <a:rPr lang="ja-JP" altLang="en-US" dirty="0"/>
+              <a:rPr lang="ja-JP" altLang="en-US" sz="2000" dirty="0"/>
               <a:t>列</a:t>
             </a:r>
             <a:r>
-              <a:rPr lang="en-US" altLang="ja-JP" dirty="0"/>
+              <a:rPr lang="en-US" altLang="ja-JP" sz="2000" dirty="0"/>
               <a:t>9</a:t>
             </a:r>
             <a:r>
-              <a:rPr lang="ja-JP" altLang="en-US" dirty="0"/>
+              <a:rPr lang="ja-JP" altLang="en-US" sz="2000" dirty="0"/>
               <a:t>行の九九の表 </a:t>
             </a:r>
             <a:r>
-              <a:rPr lang="en-US" altLang="ja-JP" dirty="0"/>
+              <a:rPr lang="en-US" altLang="ja-JP" sz="2000" dirty="0"/>
               <a:t>/* </a:t>
             </a:r>
             <a:r>
-              <a:rPr lang="ja-JP" altLang="en-US" dirty="0"/>
+              <a:rPr lang="ja-JP" altLang="en-US" sz="2000" dirty="0"/>
               <a:t>教科書 </a:t>
             </a:r>
             <a:r>
-              <a:rPr lang="en-US" altLang="ja-JP" dirty="0"/>
+              <a:rPr lang="en-US" altLang="ja-JP" sz="2000" dirty="0"/>
               <a:t>46</a:t>
             </a:r>
             <a:r>
-              <a:rPr lang="ja-JP" altLang="en-US" dirty="0"/>
+              <a:rPr lang="ja-JP" altLang="en-US" sz="2000" dirty="0"/>
               <a:t>ページサンプル *</a:t>
             </a:r>
             <a:r>
-              <a:rPr lang="en-US" altLang="ja-JP" dirty="0"/>
+              <a:rPr lang="en-US" altLang="ja-JP" sz="2000" dirty="0"/>
               <a:t>/</a:t>
             </a:r>
           </a:p>
           <a:p>
             <a:r>
-              <a:rPr lang="en-US" altLang="ja-JP" dirty="0"/>
+              <a:rPr lang="en-US" altLang="ja-JP" sz="2000" dirty="0"/>
               <a:t>○</a:t>
             </a:r>
             <a:r>
-              <a:rPr lang="ja-JP" altLang="en-US" dirty="0"/>
+              <a:rPr lang="ja-JP" altLang="en-US" sz="2000" dirty="0"/>
               <a:t>整数型：</a:t>
             </a:r>
             <a:r>
-              <a:rPr lang="en-US" altLang="ja-JP" dirty="0"/>
+              <a:rPr lang="en-US" altLang="ja-JP" sz="2000" dirty="0"/>
               <a:t>Kuku[9,9]</a:t>
             </a:r>
           </a:p>
           <a:p>
             <a:r>
-              <a:rPr lang="en-US" altLang="ja-JP" dirty="0"/>
+              <a:rPr lang="en-US" altLang="ja-JP" sz="2000" dirty="0"/>
               <a:t>○</a:t>
             </a:r>
             <a:r>
-              <a:rPr lang="ja-JP" altLang="en-US" dirty="0"/>
+              <a:rPr lang="ja-JP" altLang="en-US" sz="2000" dirty="0"/>
               <a:t>整数型：</a:t>
             </a:r>
             <a:r>
-              <a:rPr lang="en-US" altLang="ja-JP" dirty="0" err="1"/>
+              <a:rPr lang="en-US" altLang="ja-JP" sz="2000" dirty="0" err="1"/>
               <a:t>Lidx</a:t>
             </a:r>
             <a:r>
-              <a:rPr lang="en-US" altLang="ja-JP" dirty="0"/>
+              <a:rPr lang="en-US" altLang="ja-JP" sz="2000" dirty="0"/>
               <a:t> </a:t>
             </a:r>
           </a:p>
           <a:p>
             <a:r>
-              <a:rPr lang="en-US" altLang="ja-JP" dirty="0"/>
+              <a:rPr lang="en-US" altLang="ja-JP" sz="2000" dirty="0"/>
               <a:t>○</a:t>
             </a:r>
             <a:r>
-              <a:rPr lang="ja-JP" altLang="en-US" dirty="0"/>
+              <a:rPr lang="ja-JP" altLang="en-US" sz="2000" dirty="0"/>
               <a:t>整数型：</a:t>
             </a:r>
             <a:r>
-              <a:rPr lang="en-US" altLang="ja-JP" dirty="0" err="1"/>
+              <a:rPr lang="en-US" altLang="ja-JP" sz="2000" dirty="0" err="1"/>
               <a:t>Cidx</a:t>
             </a:r>
-            <a:endParaRPr lang="en-US" altLang="ja-JP" dirty="0"/>
-          </a:p>
-          <a:p>
-            <a:endParaRPr lang="en-US" altLang="ja-JP" dirty="0"/>
-          </a:p>
-          <a:p>
-            <a:r>
-              <a:rPr lang="en-US" altLang="ja-JP" dirty="0"/>
+            <a:endParaRPr lang="en-US" altLang="ja-JP" sz="2000" dirty="0"/>
+          </a:p>
+          <a:p>
+            <a:endParaRPr lang="en-US" altLang="ja-JP" sz="2000" dirty="0"/>
+          </a:p>
+          <a:p>
+            <a:r>
+              <a:rPr lang="en-US" altLang="ja-JP" sz="2000" dirty="0"/>
               <a:t>■</a:t>
             </a:r>
             <a:r>
-              <a:rPr lang="en-US" altLang="ja-JP" dirty="0" err="1"/>
+              <a:rPr lang="en-US" altLang="ja-JP" sz="2000" dirty="0" err="1"/>
               <a:t>Lidx</a:t>
             </a:r>
             <a:r>
-              <a:rPr lang="ja-JP" altLang="en-US" dirty="0"/>
+              <a:rPr lang="ja-JP" altLang="en-US" sz="2000" dirty="0"/>
               <a:t>：</a:t>
             </a:r>
             <a:r>
-              <a:rPr lang="en-US" altLang="ja-JP" dirty="0"/>
+              <a:rPr lang="en-US" altLang="ja-JP" sz="2000" dirty="0"/>
               <a:t>0,Lidx </a:t>
             </a:r>
             <a:r>
-              <a:rPr lang="ja-JP" altLang="en-US" dirty="0"/>
+              <a:rPr lang="ja-JP" altLang="en-US" sz="2000" dirty="0"/>
               <a:t>＜ </a:t>
             </a:r>
             <a:r>
-              <a:rPr lang="en-US" altLang="ja-JP" dirty="0"/>
+              <a:rPr lang="en-US" altLang="ja-JP" sz="2000" dirty="0"/>
               <a:t>9,1</a:t>
             </a:r>
           </a:p>
           <a:p>
             <a:r>
-              <a:rPr lang="ja-JP" altLang="en-US" dirty="0"/>
+              <a:rPr lang="ja-JP" altLang="en-US" sz="2000" dirty="0"/>
               <a:t>｜■</a:t>
             </a:r>
             <a:r>
-              <a:rPr lang="en-US" altLang="ja-JP" dirty="0" err="1"/>
+              <a:rPr lang="en-US" altLang="ja-JP" sz="2000" dirty="0" err="1"/>
               <a:t>Cidx</a:t>
             </a:r>
             <a:r>
-              <a:rPr lang="ja-JP" altLang="en-US" dirty="0"/>
+              <a:rPr lang="ja-JP" altLang="en-US" sz="2000" dirty="0"/>
               <a:t>：</a:t>
             </a:r>
             <a:r>
-              <a:rPr lang="en-US" altLang="ja-JP" dirty="0"/>
+              <a:rPr lang="en-US" altLang="ja-JP" sz="2000" dirty="0"/>
               <a:t>0,Cidx </a:t>
             </a:r>
             <a:r>
-              <a:rPr lang="ja-JP" altLang="en-US" dirty="0"/>
+              <a:rPr lang="ja-JP" altLang="en-US" sz="2000" dirty="0"/>
               <a:t>＜ </a:t>
             </a:r>
             <a:r>
-              <a:rPr lang="en-US" altLang="ja-JP" dirty="0"/>
+              <a:rPr lang="en-US" altLang="ja-JP" sz="2000" dirty="0"/>
               <a:t>9,1</a:t>
             </a:r>
           </a:p>
           <a:p>
             <a:r>
-              <a:rPr lang="ja-JP" altLang="en-US" dirty="0"/>
+              <a:rPr lang="ja-JP" altLang="en-US" sz="2000" dirty="0"/>
               <a:t>｜｜  ●</a:t>
             </a:r>
             <a:r>
-              <a:rPr lang="en-US" altLang="ja-JP" dirty="0"/>
+              <a:rPr lang="en-US" altLang="ja-JP" sz="2000" dirty="0"/>
               <a:t>Kuku[</a:t>
             </a:r>
             <a:r>
-              <a:rPr lang="en-US" altLang="ja-JP" dirty="0" err="1"/>
+              <a:rPr lang="en-US" altLang="ja-JP" sz="2000" dirty="0" err="1"/>
               <a:t>Lidx</a:t>
             </a:r>
             <a:r>
-              <a:rPr lang="en-US" altLang="ja-JP" dirty="0"/>
+              <a:rPr lang="en-US" altLang="ja-JP" sz="2000" dirty="0"/>
               <a:t>][</a:t>
             </a:r>
             <a:r>
-              <a:rPr lang="en-US" altLang="ja-JP" dirty="0" err="1"/>
+              <a:rPr lang="en-US" altLang="ja-JP" sz="2000" dirty="0" err="1"/>
               <a:t>Cidx</a:t>
             </a:r>
             <a:r>
-              <a:rPr lang="en-US" altLang="ja-JP" dirty="0"/>
+              <a:rPr lang="en-US" altLang="ja-JP" sz="2000" dirty="0"/>
               <a:t>] ← (</a:t>
             </a:r>
             <a:r>
-              <a:rPr lang="en-US" altLang="ja-JP" dirty="0" err="1"/>
+              <a:rPr lang="en-US" altLang="ja-JP" sz="2000" dirty="0" err="1"/>
               <a:t>Lidx</a:t>
             </a:r>
             <a:r>
-              <a:rPr lang="en-US" altLang="ja-JP" dirty="0"/>
+              <a:rPr lang="en-US" altLang="ja-JP" sz="2000" dirty="0"/>
               <a:t> + 1)×(</a:t>
             </a:r>
             <a:r>
-              <a:rPr lang="en-US" altLang="ja-JP" dirty="0" err="1"/>
+              <a:rPr lang="en-US" altLang="ja-JP" sz="2000" dirty="0" err="1"/>
               <a:t>Cidx</a:t>
             </a:r>
             <a:r>
-              <a:rPr lang="en-US" altLang="ja-JP" dirty="0"/>
+              <a:rPr lang="en-US" altLang="ja-JP" sz="2000" dirty="0"/>
               <a:t> + 1)</a:t>
             </a:r>
           </a:p>
           <a:p>
             <a:r>
-              <a:rPr lang="ja-JP" altLang="en-US" dirty="0"/>
+              <a:rPr lang="ja-JP" altLang="en-US" sz="2000" dirty="0"/>
               <a:t>｜□</a:t>
             </a:r>
           </a:p>
           <a:p>
             <a:r>
-              <a:rPr lang="ja-JP" altLang="en-US" dirty="0"/>
+              <a:rPr lang="ja-JP" altLang="en-US" sz="2000" dirty="0"/>
               <a:t>□</a:t>
             </a:r>
           </a:p>
           <a:p>
-            <a:endParaRPr lang="ja-JP" altLang="en-US" dirty="0"/>
+            <a:endParaRPr lang="ja-JP" altLang="en-US" sz="2000" dirty="0"/>
           </a:p>
           <a:p>
             <a:endParaRPr kumimoji="1" lang="ja-JP" altLang="en-US" dirty="0"/>
@@ -9869,6 +9987,148 @@
               <a:t>計算量</a:t>
             </a:r>
             <a:endParaRPr kumimoji="1" lang="ja-JP" altLang="en-US" dirty="0"/>
+          </a:p>
+        </p:txBody>
+      </p:sp>
+      <p:sp>
+        <p:nvSpPr>
+          <p:cNvPr id="3" name="テキスト ボックス 2"/>
+          <p:cNvSpPr txBox="1"/>
+          <p:nvPr/>
+        </p:nvSpPr>
+        <p:spPr>
+          <a:xfrm>
+            <a:off x="148987" y="1929008"/>
+            <a:ext cx="11880175" cy="3416320"/>
+          </a:xfrm>
+          <a:prstGeom prst="rect">
+            <a:avLst/>
+          </a:prstGeom>
+          <a:noFill/>
+        </p:spPr>
+        <p:txBody>
+          <a:bodyPr wrap="none" rtlCol="0">
+            <a:spAutoFit/>
+          </a:bodyPr>
+          <a:lstStyle/>
+          <a:p>
+            <a:r>
+              <a:rPr lang="ja-JP" altLang="en-US" sz="2400" dirty="0" smtClean="0"/>
+              <a:t>アルゴリズムの性能を“実行にどれだけの時間がかかるか”で考える。</a:t>
+            </a:r>
+            <a:endParaRPr lang="en-US" altLang="ja-JP" sz="2400" dirty="0" smtClean="0"/>
+          </a:p>
+          <a:p>
+            <a:r>
+              <a:rPr kumimoji="1" lang="ja-JP" altLang="en-US" sz="2400" dirty="0" smtClean="0"/>
+              <a:t>これを計算量といい、同じ結果が得られるなら計算量の小さいアルゴリズムがいい</a:t>
+            </a:r>
+            <a:r>
+              <a:rPr lang="ja-JP" altLang="en-US" sz="2400" dirty="0" smtClean="0"/>
+              <a:t>。</a:t>
+            </a:r>
+            <a:endParaRPr lang="en-US" altLang="ja-JP" sz="2400" dirty="0" smtClean="0"/>
+          </a:p>
+          <a:p>
+            <a:endParaRPr lang="en-US" altLang="ja-JP" sz="2400" dirty="0"/>
+          </a:p>
+          <a:p>
+            <a:r>
+              <a:rPr lang="en-US" altLang="ja-JP" sz="2400" dirty="0" smtClean="0"/>
+              <a:t>T[0]</a:t>
+            </a:r>
+            <a:r>
+              <a:rPr lang="ja-JP" altLang="en-US" sz="2400" dirty="0" smtClean="0"/>
+              <a:t>から、</a:t>
+            </a:r>
+            <a:r>
+              <a:rPr lang="en-US" altLang="ja-JP" sz="2400" dirty="0" smtClean="0"/>
+              <a:t>T[N-1]</a:t>
+            </a:r>
+            <a:r>
+              <a:rPr lang="ja-JP" altLang="en-US" sz="2400" dirty="0" err="1" smtClean="0"/>
+              <a:t>までの</a:t>
+            </a:r>
+            <a:r>
+              <a:rPr lang="ja-JP" altLang="en-US" sz="2400" dirty="0" smtClean="0"/>
+              <a:t>合計は、 </a:t>
+            </a:r>
+            <a:r>
+              <a:rPr lang="en-US" altLang="ja-JP" sz="2400" dirty="0" smtClean="0"/>
+              <a:t>O(Order)</a:t>
+            </a:r>
+            <a:r>
+              <a:rPr lang="ja-JP" altLang="en-US" sz="2400" dirty="0" smtClean="0"/>
+              <a:t>記法では、　</a:t>
+            </a:r>
+            <a:r>
+              <a:rPr lang="en-US" altLang="ja-JP" sz="2400" dirty="0" smtClean="0"/>
+              <a:t>O(N)</a:t>
+            </a:r>
+            <a:r>
+              <a:rPr lang="ja-JP" altLang="en-US" sz="2400" dirty="0" smtClean="0"/>
+              <a:t>と表記する。</a:t>
+            </a:r>
+            <a:endParaRPr lang="en-US" altLang="ja-JP" sz="2400" dirty="0" smtClean="0"/>
+          </a:p>
+          <a:p>
+            <a:endParaRPr lang="en-US" altLang="ja-JP" sz="2400" dirty="0"/>
+          </a:p>
+          <a:p>
+            <a:r>
+              <a:rPr lang="en-US" altLang="ja-JP" sz="2400" dirty="0" smtClean="0"/>
+              <a:t>2</a:t>
+            </a:r>
+            <a:r>
+              <a:rPr lang="ja-JP" altLang="en-US" sz="2400" dirty="0" smtClean="0"/>
+              <a:t>重ループの場合は、</a:t>
+            </a:r>
+            <a:r>
+              <a:rPr lang="en-US" altLang="ja-JP" sz="2400" dirty="0" smtClean="0"/>
+              <a:t>O(MN)</a:t>
+            </a:r>
+            <a:r>
+              <a:rPr lang="ja-JP" altLang="en-US" sz="2400" dirty="0" smtClean="0"/>
+              <a:t>となり、ループが</a:t>
+            </a:r>
+            <a:r>
+              <a:rPr lang="en-US" altLang="ja-JP" sz="2400" dirty="0" smtClean="0"/>
+              <a:t>2</a:t>
+            </a:r>
+            <a:r>
+              <a:rPr lang="ja-JP" altLang="en-US" sz="2400" dirty="0" smtClean="0"/>
+              <a:t>つある場合は </a:t>
+            </a:r>
+            <a:r>
+              <a:rPr lang="en-US" altLang="ja-JP" sz="2400" dirty="0" smtClean="0"/>
+              <a:t>O(M+N)</a:t>
+            </a:r>
+            <a:r>
+              <a:rPr lang="ja-JP" altLang="en-US" sz="2400" dirty="0" smtClean="0"/>
+              <a:t>となる。</a:t>
+            </a:r>
+            <a:endParaRPr lang="en-US" altLang="ja-JP" sz="2400" dirty="0" smtClean="0"/>
+          </a:p>
+          <a:p>
+            <a:r>
+              <a:rPr lang="ja-JP" altLang="en-US" sz="2400" dirty="0" smtClean="0"/>
+              <a:t>この場合、</a:t>
+            </a:r>
+            <a:r>
+              <a:rPr lang="en-US" altLang="ja-JP" sz="2400" dirty="0" smtClean="0"/>
+              <a:t>O(M+N)</a:t>
+            </a:r>
+            <a:r>
+              <a:rPr lang="ja-JP" altLang="en-US" sz="2400" dirty="0" smtClean="0"/>
+              <a:t>のほうが、時間計算量が小さいと評価できる。</a:t>
+            </a:r>
+            <a:endParaRPr lang="en-US" altLang="ja-JP" sz="2400" dirty="0" smtClean="0"/>
+          </a:p>
+          <a:p>
+            <a:endParaRPr lang="en-US" altLang="ja-JP" sz="2400" dirty="0" smtClean="0"/>
+          </a:p>
+          <a:p>
+            <a:endParaRPr kumimoji="1" lang="en-US" altLang="ja-JP" sz="2400" dirty="0" smtClean="0"/>
           </a:p>
         </p:txBody>
       </p:sp>

--- a/docs/第7回2次元配列・計算量.pptx
+++ b/docs/第7回2次元配列・計算量.pptx
@@ -251,7 +251,7 @@
           <a:p>
             <a:fld id="{BC217E9B-DFCD-4DFE-B7ED-A5F6001EB7CB}" type="datetimeFigureOut">
               <a:rPr kumimoji="1" lang="ja-JP" altLang="en-US" smtClean="0"/>
-              <a:t>2019/5/27</a:t>
+              <a:t>2019/5/28</a:t>
             </a:fld>
             <a:endParaRPr kumimoji="1" lang="ja-JP" altLang="en-US"/>
           </a:p>
@@ -453,7 +453,7 @@
           <a:p>
             <a:fld id="{BC217E9B-DFCD-4DFE-B7ED-A5F6001EB7CB}" type="datetimeFigureOut">
               <a:rPr kumimoji="1" lang="ja-JP" altLang="en-US" smtClean="0"/>
-              <a:t>2019/5/27</a:t>
+              <a:t>2019/5/28</a:t>
             </a:fld>
             <a:endParaRPr kumimoji="1" lang="ja-JP" altLang="en-US"/>
           </a:p>
@@ -665,7 +665,7 @@
           <a:p>
             <a:fld id="{BC217E9B-DFCD-4DFE-B7ED-A5F6001EB7CB}" type="datetimeFigureOut">
               <a:rPr kumimoji="1" lang="ja-JP" altLang="en-US" smtClean="0"/>
-              <a:t>2019/5/27</a:t>
+              <a:t>2019/5/28</a:t>
             </a:fld>
             <a:endParaRPr kumimoji="1" lang="ja-JP" altLang="en-US"/>
           </a:p>
@@ -867,7 +867,7 @@
           <a:p>
             <a:fld id="{BC217E9B-DFCD-4DFE-B7ED-A5F6001EB7CB}" type="datetimeFigureOut">
               <a:rPr kumimoji="1" lang="ja-JP" altLang="en-US" smtClean="0"/>
-              <a:t>2019/5/27</a:t>
+              <a:t>2019/5/28</a:t>
             </a:fld>
             <a:endParaRPr kumimoji="1" lang="ja-JP" altLang="en-US"/>
           </a:p>
@@ -1113,7 +1113,7 @@
           <a:p>
             <a:fld id="{BC217E9B-DFCD-4DFE-B7ED-A5F6001EB7CB}" type="datetimeFigureOut">
               <a:rPr kumimoji="1" lang="ja-JP" altLang="en-US" smtClean="0"/>
-              <a:t>2019/5/27</a:t>
+              <a:t>2019/5/28</a:t>
             </a:fld>
             <a:endParaRPr kumimoji="1" lang="ja-JP" altLang="en-US"/>
           </a:p>
@@ -1409,7 +1409,7 @@
           <a:p>
             <a:fld id="{BC217E9B-DFCD-4DFE-B7ED-A5F6001EB7CB}" type="datetimeFigureOut">
               <a:rPr kumimoji="1" lang="ja-JP" altLang="en-US" smtClean="0"/>
-              <a:t>2019/5/27</a:t>
+              <a:t>2019/5/28</a:t>
             </a:fld>
             <a:endParaRPr kumimoji="1" lang="ja-JP" altLang="en-US"/>
           </a:p>
@@ -1840,7 +1840,7 @@
           <a:p>
             <a:fld id="{BC217E9B-DFCD-4DFE-B7ED-A5F6001EB7CB}" type="datetimeFigureOut">
               <a:rPr kumimoji="1" lang="ja-JP" altLang="en-US" smtClean="0"/>
-              <a:t>2019/5/27</a:t>
+              <a:t>2019/5/28</a:t>
             </a:fld>
             <a:endParaRPr kumimoji="1" lang="ja-JP" altLang="en-US"/>
           </a:p>
@@ -1958,7 +1958,7 @@
           <a:p>
             <a:fld id="{BC217E9B-DFCD-4DFE-B7ED-A5F6001EB7CB}" type="datetimeFigureOut">
               <a:rPr kumimoji="1" lang="ja-JP" altLang="en-US" smtClean="0"/>
-              <a:t>2019/5/27</a:t>
+              <a:t>2019/5/28</a:t>
             </a:fld>
             <a:endParaRPr kumimoji="1" lang="ja-JP" altLang="en-US"/>
           </a:p>
@@ -2053,7 +2053,7 @@
           <a:p>
             <a:fld id="{BC217E9B-DFCD-4DFE-B7ED-A5F6001EB7CB}" type="datetimeFigureOut">
               <a:rPr kumimoji="1" lang="ja-JP" altLang="en-US" smtClean="0"/>
-              <a:t>2019/5/27</a:t>
+              <a:t>2019/5/28</a:t>
             </a:fld>
             <a:endParaRPr kumimoji="1" lang="ja-JP" altLang="en-US"/>
           </a:p>
@@ -2362,7 +2362,7 @@
           <a:p>
             <a:fld id="{BC217E9B-DFCD-4DFE-B7ED-A5F6001EB7CB}" type="datetimeFigureOut">
               <a:rPr kumimoji="1" lang="ja-JP" altLang="en-US" smtClean="0"/>
-              <a:t>2019/5/27</a:t>
+              <a:t>2019/5/28</a:t>
             </a:fld>
             <a:endParaRPr kumimoji="1" lang="ja-JP" altLang="en-US"/>
           </a:p>
@@ -2615,7 +2615,7 @@
           <a:p>
             <a:fld id="{BC217E9B-DFCD-4DFE-B7ED-A5F6001EB7CB}" type="datetimeFigureOut">
               <a:rPr kumimoji="1" lang="ja-JP" altLang="en-US" smtClean="0"/>
-              <a:t>2019/5/27</a:t>
+              <a:t>2019/5/28</a:t>
             </a:fld>
             <a:endParaRPr kumimoji="1" lang="ja-JP" altLang="en-US"/>
           </a:p>
@@ -2860,7 +2860,7 @@
           <a:p>
             <a:fld id="{BC217E9B-DFCD-4DFE-B7ED-A5F6001EB7CB}" type="datetimeFigureOut">
               <a:rPr kumimoji="1" lang="ja-JP" altLang="en-US" smtClean="0"/>
-              <a:t>2019/5/27</a:t>
+              <a:t>2019/5/28</a:t>
             </a:fld>
             <a:endParaRPr kumimoji="1" lang="ja-JP" altLang="en-US"/>
           </a:p>
@@ -3512,11 +3512,7 @@
             </a:r>
             <a:r>
               <a:rPr kumimoji="1" lang="ja-JP" altLang="en-US" sz="3600" dirty="0" smtClean="0"/>
-              <a:t>次元</a:t>
-            </a:r>
-            <a:r>
-              <a:rPr kumimoji="1" lang="ja-JP" altLang="en-US" sz="3600" dirty="0" smtClean="0"/>
-              <a:t>配列</a:t>
+              <a:t>次元配列</a:t>
             </a:r>
             <a:endParaRPr kumimoji="1" lang="en-US" altLang="ja-JP" sz="3600" dirty="0" smtClean="0"/>
           </a:p>
@@ -3534,11 +3530,7 @@
           <a:p>
             <a:r>
               <a:rPr lang="ja-JP" altLang="en-US" sz="3600" dirty="0" smtClean="0"/>
-              <a:t>・ドリルの</a:t>
-            </a:r>
-            <a:r>
-              <a:rPr lang="ja-JP" altLang="en-US" sz="3600" dirty="0" smtClean="0"/>
-              <a:t>解答</a:t>
+              <a:t>・ドリルの解答</a:t>
             </a:r>
             <a:endParaRPr kumimoji="1" lang="en-US" altLang="ja-JP" sz="3600" dirty="0" smtClean="0"/>
           </a:p>
@@ -3556,11 +3548,7 @@
           <a:p>
             <a:r>
               <a:rPr kumimoji="1" lang="ja-JP" altLang="en-US" sz="3600" dirty="0" smtClean="0"/>
-              <a:t>・</a:t>
-            </a:r>
-            <a:r>
-              <a:rPr kumimoji="1" lang="ja-JP" altLang="en-US" sz="3600" dirty="0" smtClean="0"/>
-              <a:t>まとめ</a:t>
+              <a:t>・まとめ</a:t>
             </a:r>
             <a:endParaRPr kumimoji="1" lang="en-US" altLang="ja-JP" sz="3600" dirty="0" smtClean="0"/>
           </a:p>
@@ -3688,11 +3676,7 @@
             </a:r>
             <a:r>
               <a:rPr lang="ja-JP" altLang="en-US" sz="2800" dirty="0" smtClean="0"/>
-              <a:t>次元配列は、添字二つで要素を特定する配列となる</a:t>
-            </a:r>
-            <a:r>
-              <a:rPr lang="ja-JP" altLang="en-US" sz="2800" dirty="0" smtClean="0"/>
-              <a:t>。</a:t>
+              <a:t>次元配列は、添字二つで要素を特定する配列となる。</a:t>
             </a:r>
             <a:endParaRPr lang="en-US" altLang="ja-JP" sz="2800" dirty="0" smtClean="0"/>
           </a:p>
@@ -7156,7 +7140,7 @@
             </a:r>
             <a:r>
               <a:rPr lang="en-US" altLang="ja-JP" dirty="0" smtClean="0"/>
-              <a:t>Line[1]</a:t>
+              <a:t>Line[2]</a:t>
             </a:r>
             <a:r>
               <a:rPr lang="ja-JP" altLang="en-US" dirty="0"/>
